--- a/발표자료/업데이트/LJHPPT.pptx
+++ b/발표자료/업데이트/LJHPPT.pptx
@@ -5,13 +5,12 @@
     <p:sldMasterId id="2147483648" r:id="rId1"/>
   </p:sldMasterIdLst>
   <p:notesMasterIdLst>
-    <p:notesMasterId r:id="rId6"/>
+    <p:notesMasterId r:id="rId5"/>
   </p:notesMasterIdLst>
   <p:sldIdLst>
     <p:sldId id="256" r:id="rId2"/>
     <p:sldId id="279" r:id="rId3"/>
-    <p:sldId id="276" r:id="rId4"/>
-    <p:sldId id="277" r:id="rId5"/>
+    <p:sldId id="277" r:id="rId4"/>
   </p:sldIdLst>
   <p:sldSz cx="12192000" cy="6858000"/>
   <p:notesSz cx="6858000" cy="9144000"/>
@@ -112,7 +111,7 @@
   </p:defaultTextStyle>
   <p:extLst>
     <p:ext uri="{EFAFB233-063F-42B5-8137-9DF3F51BA10A}">
-      <p15:sldGuideLst xmlns:p15="http://schemas.microsoft.com/office/powerpoint/2012/main" xmlns="">
+      <p15:sldGuideLst xmlns="" xmlns:p15="http://schemas.microsoft.com/office/powerpoint/2012/main">
         <p15:guide id="1" orient="horz" pos="2160" userDrawn="1">
           <p15:clr>
             <a:srgbClr val="A4A3A4"/>
@@ -211,7 +210,7 @@
           <a:p>
             <a:fld id="{AF68D7C3-2F55-4307-AE72-F4CDC213B882}" type="datetimeFigureOut">
               <a:rPr lang="ko-KR" altLang="en-US" smtClean="0"/>
-              <a:t>2023-09-13</a:t>
+              <a:t>2023-10-04</a:t>
             </a:fld>
             <a:endParaRPr lang="ko-KR" altLang="en-US"/>
           </a:p>
@@ -501,7 +500,7 @@
           <p:cNvPr id="2" name="제목 1">
             <a:extLst>
               <a:ext uri="{FF2B5EF4-FFF2-40B4-BE49-F238E27FC236}">
-                <a16:creationId xmlns:a16="http://schemas.microsoft.com/office/drawing/2014/main" xmlns="" id="{544428E6-48F8-48FF-A4B7-7E67A9EE0B77}"/>
+                <a16:creationId xmlns="" xmlns:a16="http://schemas.microsoft.com/office/drawing/2014/main" id="{544428E6-48F8-48FF-A4B7-7E67A9EE0B77}"/>
               </a:ext>
             </a:extLst>
           </p:cNvPr>
@@ -538,7 +537,7 @@
           <p:cNvPr id="3" name="부제목 2">
             <a:extLst>
               <a:ext uri="{FF2B5EF4-FFF2-40B4-BE49-F238E27FC236}">
-                <a16:creationId xmlns:a16="http://schemas.microsoft.com/office/drawing/2014/main" xmlns="" id="{FBA2431C-BDF3-4534-AED0-115F103A462A}"/>
+                <a16:creationId xmlns="" xmlns:a16="http://schemas.microsoft.com/office/drawing/2014/main" id="{FBA2431C-BDF3-4534-AED0-115F103A462A}"/>
               </a:ext>
             </a:extLst>
           </p:cNvPr>
@@ -608,7 +607,7 @@
           <p:cNvPr id="4" name="날짜 개체 틀 3">
             <a:extLst>
               <a:ext uri="{FF2B5EF4-FFF2-40B4-BE49-F238E27FC236}">
-                <a16:creationId xmlns:a16="http://schemas.microsoft.com/office/drawing/2014/main" xmlns="" id="{420173CB-01B9-4295-A804-D7D5973D6277}"/>
+                <a16:creationId xmlns="" xmlns:a16="http://schemas.microsoft.com/office/drawing/2014/main" id="{420173CB-01B9-4295-A804-D7D5973D6277}"/>
               </a:ext>
             </a:extLst>
           </p:cNvPr>
@@ -626,7 +625,7 @@
           <a:p>
             <a:fld id="{246E467A-4026-4A8D-97BF-715EF7FA6491}" type="datetimeFigureOut">
               <a:rPr lang="ko-KR" altLang="en-US" smtClean="0"/>
-              <a:t>2023-09-13</a:t>
+              <a:t>2023-10-04</a:t>
             </a:fld>
             <a:endParaRPr lang="ko-KR" altLang="en-US"/>
           </a:p>
@@ -637,7 +636,7 @@
           <p:cNvPr id="5" name="바닥글 개체 틀 4">
             <a:extLst>
               <a:ext uri="{FF2B5EF4-FFF2-40B4-BE49-F238E27FC236}">
-                <a16:creationId xmlns:a16="http://schemas.microsoft.com/office/drawing/2014/main" xmlns="" id="{E1C5FE16-77A0-484E-AEFD-FF537292ECD0}"/>
+                <a16:creationId xmlns="" xmlns:a16="http://schemas.microsoft.com/office/drawing/2014/main" id="{E1C5FE16-77A0-484E-AEFD-FF537292ECD0}"/>
               </a:ext>
             </a:extLst>
           </p:cNvPr>
@@ -662,7 +661,7 @@
           <p:cNvPr id="6" name="슬라이드 번호 개체 틀 5">
             <a:extLst>
               <a:ext uri="{FF2B5EF4-FFF2-40B4-BE49-F238E27FC236}">
-                <a16:creationId xmlns:a16="http://schemas.microsoft.com/office/drawing/2014/main" xmlns="" id="{69F3DF25-2E65-49D3-8F6F-64AA11097B17}"/>
+                <a16:creationId xmlns="" xmlns:a16="http://schemas.microsoft.com/office/drawing/2014/main" id="{69F3DF25-2E65-49D3-8F6F-64AA11097B17}"/>
               </a:ext>
             </a:extLst>
           </p:cNvPr>
@@ -721,7 +720,7 @@
           <p:cNvPr id="2" name="제목 1">
             <a:extLst>
               <a:ext uri="{FF2B5EF4-FFF2-40B4-BE49-F238E27FC236}">
-                <a16:creationId xmlns:a16="http://schemas.microsoft.com/office/drawing/2014/main" xmlns="" id="{0E520652-E714-4A15-826F-1B53C7092B68}"/>
+                <a16:creationId xmlns="" xmlns:a16="http://schemas.microsoft.com/office/drawing/2014/main" id="{0E520652-E714-4A15-826F-1B53C7092B68}"/>
               </a:ext>
             </a:extLst>
           </p:cNvPr>
@@ -749,7 +748,7 @@
           <p:cNvPr id="3" name="세로 텍스트 개체 틀 2">
             <a:extLst>
               <a:ext uri="{FF2B5EF4-FFF2-40B4-BE49-F238E27FC236}">
-                <a16:creationId xmlns:a16="http://schemas.microsoft.com/office/drawing/2014/main" xmlns="" id="{1C14771D-DE0A-400C-8C59-8670E31F7094}"/>
+                <a16:creationId xmlns="" xmlns:a16="http://schemas.microsoft.com/office/drawing/2014/main" id="{1C14771D-DE0A-400C-8C59-8670E31F7094}"/>
               </a:ext>
             </a:extLst>
           </p:cNvPr>
@@ -806,7 +805,7 @@
           <p:cNvPr id="4" name="날짜 개체 틀 3">
             <a:extLst>
               <a:ext uri="{FF2B5EF4-FFF2-40B4-BE49-F238E27FC236}">
-                <a16:creationId xmlns:a16="http://schemas.microsoft.com/office/drawing/2014/main" xmlns="" id="{5CBEACB7-48C9-4FB8-8D34-7F4C63932697}"/>
+                <a16:creationId xmlns="" xmlns:a16="http://schemas.microsoft.com/office/drawing/2014/main" id="{5CBEACB7-48C9-4FB8-8D34-7F4C63932697}"/>
               </a:ext>
             </a:extLst>
           </p:cNvPr>
@@ -824,7 +823,7 @@
           <a:p>
             <a:fld id="{246E467A-4026-4A8D-97BF-715EF7FA6491}" type="datetimeFigureOut">
               <a:rPr lang="ko-KR" altLang="en-US" smtClean="0"/>
-              <a:t>2023-09-13</a:t>
+              <a:t>2023-10-04</a:t>
             </a:fld>
             <a:endParaRPr lang="ko-KR" altLang="en-US"/>
           </a:p>
@@ -835,7 +834,7 @@
           <p:cNvPr id="5" name="바닥글 개체 틀 4">
             <a:extLst>
               <a:ext uri="{FF2B5EF4-FFF2-40B4-BE49-F238E27FC236}">
-                <a16:creationId xmlns:a16="http://schemas.microsoft.com/office/drawing/2014/main" xmlns="" id="{5BD31818-B6CD-47B0-9353-395CC53986D6}"/>
+                <a16:creationId xmlns="" xmlns:a16="http://schemas.microsoft.com/office/drawing/2014/main" id="{5BD31818-B6CD-47B0-9353-395CC53986D6}"/>
               </a:ext>
             </a:extLst>
           </p:cNvPr>
@@ -860,7 +859,7 @@
           <p:cNvPr id="6" name="슬라이드 번호 개체 틀 5">
             <a:extLst>
               <a:ext uri="{FF2B5EF4-FFF2-40B4-BE49-F238E27FC236}">
-                <a16:creationId xmlns:a16="http://schemas.microsoft.com/office/drawing/2014/main" xmlns="" id="{BD008922-CAE3-4884-AE59-2BC74144C74C}"/>
+                <a16:creationId xmlns="" xmlns:a16="http://schemas.microsoft.com/office/drawing/2014/main" id="{BD008922-CAE3-4884-AE59-2BC74144C74C}"/>
               </a:ext>
             </a:extLst>
           </p:cNvPr>
@@ -919,7 +918,7 @@
           <p:cNvPr id="2" name="세로 제목 1">
             <a:extLst>
               <a:ext uri="{FF2B5EF4-FFF2-40B4-BE49-F238E27FC236}">
-                <a16:creationId xmlns:a16="http://schemas.microsoft.com/office/drawing/2014/main" xmlns="" id="{A3371B8A-69A6-43D4-8783-6456E33508F7}"/>
+                <a16:creationId xmlns="" xmlns:a16="http://schemas.microsoft.com/office/drawing/2014/main" id="{A3371B8A-69A6-43D4-8783-6456E33508F7}"/>
               </a:ext>
             </a:extLst>
           </p:cNvPr>
@@ -952,7 +951,7 @@
           <p:cNvPr id="3" name="세로 텍스트 개체 틀 2">
             <a:extLst>
               <a:ext uri="{FF2B5EF4-FFF2-40B4-BE49-F238E27FC236}">
-                <a16:creationId xmlns:a16="http://schemas.microsoft.com/office/drawing/2014/main" xmlns="" id="{049DA1AA-3028-44E4-B5B0-C19BF61DC48A}"/>
+                <a16:creationId xmlns="" xmlns:a16="http://schemas.microsoft.com/office/drawing/2014/main" id="{049DA1AA-3028-44E4-B5B0-C19BF61DC48A}"/>
               </a:ext>
             </a:extLst>
           </p:cNvPr>
@@ -1014,7 +1013,7 @@
           <p:cNvPr id="4" name="날짜 개체 틀 3">
             <a:extLst>
               <a:ext uri="{FF2B5EF4-FFF2-40B4-BE49-F238E27FC236}">
-                <a16:creationId xmlns:a16="http://schemas.microsoft.com/office/drawing/2014/main" xmlns="" id="{ED2BCD8D-3E10-4F33-BC43-EACB05C0B415}"/>
+                <a16:creationId xmlns="" xmlns:a16="http://schemas.microsoft.com/office/drawing/2014/main" id="{ED2BCD8D-3E10-4F33-BC43-EACB05C0B415}"/>
               </a:ext>
             </a:extLst>
           </p:cNvPr>
@@ -1032,7 +1031,7 @@
           <a:p>
             <a:fld id="{246E467A-4026-4A8D-97BF-715EF7FA6491}" type="datetimeFigureOut">
               <a:rPr lang="ko-KR" altLang="en-US" smtClean="0"/>
-              <a:t>2023-09-13</a:t>
+              <a:t>2023-10-04</a:t>
             </a:fld>
             <a:endParaRPr lang="ko-KR" altLang="en-US"/>
           </a:p>
@@ -1043,7 +1042,7 @@
           <p:cNvPr id="5" name="바닥글 개체 틀 4">
             <a:extLst>
               <a:ext uri="{FF2B5EF4-FFF2-40B4-BE49-F238E27FC236}">
-                <a16:creationId xmlns:a16="http://schemas.microsoft.com/office/drawing/2014/main" xmlns="" id="{33E365BE-78DE-4079-B7F3-706874E92415}"/>
+                <a16:creationId xmlns="" xmlns:a16="http://schemas.microsoft.com/office/drawing/2014/main" id="{33E365BE-78DE-4079-B7F3-706874E92415}"/>
               </a:ext>
             </a:extLst>
           </p:cNvPr>
@@ -1068,7 +1067,7 @@
           <p:cNvPr id="6" name="슬라이드 번호 개체 틀 5">
             <a:extLst>
               <a:ext uri="{FF2B5EF4-FFF2-40B4-BE49-F238E27FC236}">
-                <a16:creationId xmlns:a16="http://schemas.microsoft.com/office/drawing/2014/main" xmlns="" id="{6F0D9E52-1AFA-4482-A474-91FF4C5C683A}"/>
+                <a16:creationId xmlns="" xmlns:a16="http://schemas.microsoft.com/office/drawing/2014/main" id="{6F0D9E52-1AFA-4482-A474-91FF4C5C683A}"/>
               </a:ext>
             </a:extLst>
           </p:cNvPr>
@@ -1127,7 +1126,7 @@
           <p:cNvPr id="2" name="제목 1">
             <a:extLst>
               <a:ext uri="{FF2B5EF4-FFF2-40B4-BE49-F238E27FC236}">
-                <a16:creationId xmlns:a16="http://schemas.microsoft.com/office/drawing/2014/main" xmlns="" id="{60DBF82B-6C4A-4F6E-A362-B2BF3BDC30D7}"/>
+                <a16:creationId xmlns="" xmlns:a16="http://schemas.microsoft.com/office/drawing/2014/main" id="{60DBF82B-6C4A-4F6E-A362-B2BF3BDC30D7}"/>
               </a:ext>
             </a:extLst>
           </p:cNvPr>
@@ -1155,7 +1154,7 @@
           <p:cNvPr id="3" name="내용 개체 틀 2">
             <a:extLst>
               <a:ext uri="{FF2B5EF4-FFF2-40B4-BE49-F238E27FC236}">
-                <a16:creationId xmlns:a16="http://schemas.microsoft.com/office/drawing/2014/main" xmlns="" id="{BDE6E910-43A6-49D6-A1B5-99E3B0C27E2D}"/>
+                <a16:creationId xmlns="" xmlns:a16="http://schemas.microsoft.com/office/drawing/2014/main" id="{BDE6E910-43A6-49D6-A1B5-99E3B0C27E2D}"/>
               </a:ext>
             </a:extLst>
           </p:cNvPr>
@@ -1212,7 +1211,7 @@
           <p:cNvPr id="4" name="날짜 개체 틀 3">
             <a:extLst>
               <a:ext uri="{FF2B5EF4-FFF2-40B4-BE49-F238E27FC236}">
-                <a16:creationId xmlns:a16="http://schemas.microsoft.com/office/drawing/2014/main" xmlns="" id="{2F0DB3AC-66C4-4244-9CE9-54D71AA59C90}"/>
+                <a16:creationId xmlns="" xmlns:a16="http://schemas.microsoft.com/office/drawing/2014/main" id="{2F0DB3AC-66C4-4244-9CE9-54D71AA59C90}"/>
               </a:ext>
             </a:extLst>
           </p:cNvPr>
@@ -1230,7 +1229,7 @@
           <a:p>
             <a:fld id="{246E467A-4026-4A8D-97BF-715EF7FA6491}" type="datetimeFigureOut">
               <a:rPr lang="ko-KR" altLang="en-US" smtClean="0"/>
-              <a:t>2023-09-13</a:t>
+              <a:t>2023-10-04</a:t>
             </a:fld>
             <a:endParaRPr lang="ko-KR" altLang="en-US"/>
           </a:p>
@@ -1241,7 +1240,7 @@
           <p:cNvPr id="5" name="바닥글 개체 틀 4">
             <a:extLst>
               <a:ext uri="{FF2B5EF4-FFF2-40B4-BE49-F238E27FC236}">
-                <a16:creationId xmlns:a16="http://schemas.microsoft.com/office/drawing/2014/main" xmlns="" id="{3992C886-882E-440B-806C-B06DE5089026}"/>
+                <a16:creationId xmlns="" xmlns:a16="http://schemas.microsoft.com/office/drawing/2014/main" id="{3992C886-882E-440B-806C-B06DE5089026}"/>
               </a:ext>
             </a:extLst>
           </p:cNvPr>
@@ -1266,7 +1265,7 @@
           <p:cNvPr id="6" name="슬라이드 번호 개체 틀 5">
             <a:extLst>
               <a:ext uri="{FF2B5EF4-FFF2-40B4-BE49-F238E27FC236}">
-                <a16:creationId xmlns:a16="http://schemas.microsoft.com/office/drawing/2014/main" xmlns="" id="{9A9323D2-1426-48F9-A93B-729E72E2B2BB}"/>
+                <a16:creationId xmlns="" xmlns:a16="http://schemas.microsoft.com/office/drawing/2014/main" id="{9A9323D2-1426-48F9-A93B-729E72E2B2BB}"/>
               </a:ext>
             </a:extLst>
           </p:cNvPr>
@@ -1325,7 +1324,7 @@
           <p:cNvPr id="2" name="제목 1">
             <a:extLst>
               <a:ext uri="{FF2B5EF4-FFF2-40B4-BE49-F238E27FC236}">
-                <a16:creationId xmlns:a16="http://schemas.microsoft.com/office/drawing/2014/main" xmlns="" id="{7153C500-C8D9-4EBC-AC73-9F7D65F03E32}"/>
+                <a16:creationId xmlns="" xmlns:a16="http://schemas.microsoft.com/office/drawing/2014/main" id="{7153C500-C8D9-4EBC-AC73-9F7D65F03E32}"/>
               </a:ext>
             </a:extLst>
           </p:cNvPr>
@@ -1362,7 +1361,7 @@
           <p:cNvPr id="3" name="텍스트 개체 틀 2">
             <a:extLst>
               <a:ext uri="{FF2B5EF4-FFF2-40B4-BE49-F238E27FC236}">
-                <a16:creationId xmlns:a16="http://schemas.microsoft.com/office/drawing/2014/main" xmlns="" id="{4E56CD17-259A-42E8-B64F-04C51B7C1C5F}"/>
+                <a16:creationId xmlns="" xmlns:a16="http://schemas.microsoft.com/office/drawing/2014/main" id="{4E56CD17-259A-42E8-B64F-04C51B7C1C5F}"/>
               </a:ext>
             </a:extLst>
           </p:cNvPr>
@@ -1487,7 +1486,7 @@
           <p:cNvPr id="4" name="날짜 개체 틀 3">
             <a:extLst>
               <a:ext uri="{FF2B5EF4-FFF2-40B4-BE49-F238E27FC236}">
-                <a16:creationId xmlns:a16="http://schemas.microsoft.com/office/drawing/2014/main" xmlns="" id="{CE976CE5-8C59-42A2-A597-465DEAC8E5A7}"/>
+                <a16:creationId xmlns="" xmlns:a16="http://schemas.microsoft.com/office/drawing/2014/main" id="{CE976CE5-8C59-42A2-A597-465DEAC8E5A7}"/>
               </a:ext>
             </a:extLst>
           </p:cNvPr>
@@ -1505,7 +1504,7 @@
           <a:p>
             <a:fld id="{246E467A-4026-4A8D-97BF-715EF7FA6491}" type="datetimeFigureOut">
               <a:rPr lang="ko-KR" altLang="en-US" smtClean="0"/>
-              <a:t>2023-09-13</a:t>
+              <a:t>2023-10-04</a:t>
             </a:fld>
             <a:endParaRPr lang="ko-KR" altLang="en-US"/>
           </a:p>
@@ -1516,7 +1515,7 @@
           <p:cNvPr id="5" name="바닥글 개체 틀 4">
             <a:extLst>
               <a:ext uri="{FF2B5EF4-FFF2-40B4-BE49-F238E27FC236}">
-                <a16:creationId xmlns:a16="http://schemas.microsoft.com/office/drawing/2014/main" xmlns="" id="{742312C6-1DCE-41BC-B5FA-FCFF5BE3B9E6}"/>
+                <a16:creationId xmlns="" xmlns:a16="http://schemas.microsoft.com/office/drawing/2014/main" id="{742312C6-1DCE-41BC-B5FA-FCFF5BE3B9E6}"/>
               </a:ext>
             </a:extLst>
           </p:cNvPr>
@@ -1541,7 +1540,7 @@
           <p:cNvPr id="6" name="슬라이드 번호 개체 틀 5">
             <a:extLst>
               <a:ext uri="{FF2B5EF4-FFF2-40B4-BE49-F238E27FC236}">
-                <a16:creationId xmlns:a16="http://schemas.microsoft.com/office/drawing/2014/main" xmlns="" id="{664339A5-69DC-4256-84CA-F160D48ED02B}"/>
+                <a16:creationId xmlns="" xmlns:a16="http://schemas.microsoft.com/office/drawing/2014/main" id="{664339A5-69DC-4256-84CA-F160D48ED02B}"/>
               </a:ext>
             </a:extLst>
           </p:cNvPr>
@@ -1600,7 +1599,7 @@
           <p:cNvPr id="2" name="제목 1">
             <a:extLst>
               <a:ext uri="{FF2B5EF4-FFF2-40B4-BE49-F238E27FC236}">
-                <a16:creationId xmlns:a16="http://schemas.microsoft.com/office/drawing/2014/main" xmlns="" id="{BCF37A4D-E01E-45A7-B166-73EE7826C0E7}"/>
+                <a16:creationId xmlns="" xmlns:a16="http://schemas.microsoft.com/office/drawing/2014/main" id="{BCF37A4D-E01E-45A7-B166-73EE7826C0E7}"/>
               </a:ext>
             </a:extLst>
           </p:cNvPr>
@@ -1628,7 +1627,7 @@
           <p:cNvPr id="3" name="내용 개체 틀 2">
             <a:extLst>
               <a:ext uri="{FF2B5EF4-FFF2-40B4-BE49-F238E27FC236}">
-                <a16:creationId xmlns:a16="http://schemas.microsoft.com/office/drawing/2014/main" xmlns="" id="{A70D6757-7DA6-452C-9903-7536978F1556}"/>
+                <a16:creationId xmlns="" xmlns:a16="http://schemas.microsoft.com/office/drawing/2014/main" id="{A70D6757-7DA6-452C-9903-7536978F1556}"/>
               </a:ext>
             </a:extLst>
           </p:cNvPr>
@@ -1690,7 +1689,7 @@
           <p:cNvPr id="4" name="내용 개체 틀 3">
             <a:extLst>
               <a:ext uri="{FF2B5EF4-FFF2-40B4-BE49-F238E27FC236}">
-                <a16:creationId xmlns:a16="http://schemas.microsoft.com/office/drawing/2014/main" xmlns="" id="{23DCC3C8-286B-4184-8752-32BC3B116B8E}"/>
+                <a16:creationId xmlns="" xmlns:a16="http://schemas.microsoft.com/office/drawing/2014/main" id="{23DCC3C8-286B-4184-8752-32BC3B116B8E}"/>
               </a:ext>
             </a:extLst>
           </p:cNvPr>
@@ -1752,7 +1751,7 @@
           <p:cNvPr id="5" name="날짜 개체 틀 4">
             <a:extLst>
               <a:ext uri="{FF2B5EF4-FFF2-40B4-BE49-F238E27FC236}">
-                <a16:creationId xmlns:a16="http://schemas.microsoft.com/office/drawing/2014/main" xmlns="" id="{7ECA751A-C45B-42C8-893F-826B22E76CF6}"/>
+                <a16:creationId xmlns="" xmlns:a16="http://schemas.microsoft.com/office/drawing/2014/main" id="{7ECA751A-C45B-42C8-893F-826B22E76CF6}"/>
               </a:ext>
             </a:extLst>
           </p:cNvPr>
@@ -1770,7 +1769,7 @@
           <a:p>
             <a:fld id="{246E467A-4026-4A8D-97BF-715EF7FA6491}" type="datetimeFigureOut">
               <a:rPr lang="ko-KR" altLang="en-US" smtClean="0"/>
-              <a:t>2023-09-13</a:t>
+              <a:t>2023-10-04</a:t>
             </a:fld>
             <a:endParaRPr lang="ko-KR" altLang="en-US"/>
           </a:p>
@@ -1781,7 +1780,7 @@
           <p:cNvPr id="6" name="바닥글 개체 틀 5">
             <a:extLst>
               <a:ext uri="{FF2B5EF4-FFF2-40B4-BE49-F238E27FC236}">
-                <a16:creationId xmlns:a16="http://schemas.microsoft.com/office/drawing/2014/main" xmlns="" id="{9F77210C-0EDE-42F3-A19F-12B3884B4393}"/>
+                <a16:creationId xmlns="" xmlns:a16="http://schemas.microsoft.com/office/drawing/2014/main" id="{9F77210C-0EDE-42F3-A19F-12B3884B4393}"/>
               </a:ext>
             </a:extLst>
           </p:cNvPr>
@@ -1806,7 +1805,7 @@
           <p:cNvPr id="7" name="슬라이드 번호 개체 틀 6">
             <a:extLst>
               <a:ext uri="{FF2B5EF4-FFF2-40B4-BE49-F238E27FC236}">
-                <a16:creationId xmlns:a16="http://schemas.microsoft.com/office/drawing/2014/main" xmlns="" id="{3215D590-E2D2-480C-AF73-67D855C553CB}"/>
+                <a16:creationId xmlns="" xmlns:a16="http://schemas.microsoft.com/office/drawing/2014/main" id="{3215D590-E2D2-480C-AF73-67D855C553CB}"/>
               </a:ext>
             </a:extLst>
           </p:cNvPr>
@@ -1865,7 +1864,7 @@
           <p:cNvPr id="2" name="제목 1">
             <a:extLst>
               <a:ext uri="{FF2B5EF4-FFF2-40B4-BE49-F238E27FC236}">
-                <a16:creationId xmlns:a16="http://schemas.microsoft.com/office/drawing/2014/main" xmlns="" id="{E1E3AF97-024B-4EF1-B5B6-2E362F07CDB3}"/>
+                <a16:creationId xmlns="" xmlns:a16="http://schemas.microsoft.com/office/drawing/2014/main" id="{E1E3AF97-024B-4EF1-B5B6-2E362F07CDB3}"/>
               </a:ext>
             </a:extLst>
           </p:cNvPr>
@@ -1898,7 +1897,7 @@
           <p:cNvPr id="3" name="텍스트 개체 틀 2">
             <a:extLst>
               <a:ext uri="{FF2B5EF4-FFF2-40B4-BE49-F238E27FC236}">
-                <a16:creationId xmlns:a16="http://schemas.microsoft.com/office/drawing/2014/main" xmlns="" id="{2B41334B-2AA0-4E32-9445-B691EAB2831F}"/>
+                <a16:creationId xmlns="" xmlns:a16="http://schemas.microsoft.com/office/drawing/2014/main" id="{2B41334B-2AA0-4E32-9445-B691EAB2831F}"/>
               </a:ext>
             </a:extLst>
           </p:cNvPr>
@@ -1969,7 +1968,7 @@
           <p:cNvPr id="4" name="내용 개체 틀 3">
             <a:extLst>
               <a:ext uri="{FF2B5EF4-FFF2-40B4-BE49-F238E27FC236}">
-                <a16:creationId xmlns:a16="http://schemas.microsoft.com/office/drawing/2014/main" xmlns="" id="{BDB62D6F-224F-4433-9752-11A255D323D4}"/>
+                <a16:creationId xmlns="" xmlns:a16="http://schemas.microsoft.com/office/drawing/2014/main" id="{BDB62D6F-224F-4433-9752-11A255D323D4}"/>
               </a:ext>
             </a:extLst>
           </p:cNvPr>
@@ -2031,7 +2030,7 @@
           <p:cNvPr id="5" name="텍스트 개체 틀 4">
             <a:extLst>
               <a:ext uri="{FF2B5EF4-FFF2-40B4-BE49-F238E27FC236}">
-                <a16:creationId xmlns:a16="http://schemas.microsoft.com/office/drawing/2014/main" xmlns="" id="{DD04EE0E-6C7E-4160-86AA-136E97F9FD62}"/>
+                <a16:creationId xmlns="" xmlns:a16="http://schemas.microsoft.com/office/drawing/2014/main" id="{DD04EE0E-6C7E-4160-86AA-136E97F9FD62}"/>
               </a:ext>
             </a:extLst>
           </p:cNvPr>
@@ -2102,7 +2101,7 @@
           <p:cNvPr id="6" name="내용 개체 틀 5">
             <a:extLst>
               <a:ext uri="{FF2B5EF4-FFF2-40B4-BE49-F238E27FC236}">
-                <a16:creationId xmlns:a16="http://schemas.microsoft.com/office/drawing/2014/main" xmlns="" id="{1B390FB9-7573-4784-A2A4-EDF1B3C59FF4}"/>
+                <a16:creationId xmlns="" xmlns:a16="http://schemas.microsoft.com/office/drawing/2014/main" id="{1B390FB9-7573-4784-A2A4-EDF1B3C59FF4}"/>
               </a:ext>
             </a:extLst>
           </p:cNvPr>
@@ -2164,7 +2163,7 @@
           <p:cNvPr id="7" name="날짜 개체 틀 6">
             <a:extLst>
               <a:ext uri="{FF2B5EF4-FFF2-40B4-BE49-F238E27FC236}">
-                <a16:creationId xmlns:a16="http://schemas.microsoft.com/office/drawing/2014/main" xmlns="" id="{F464B30B-9C6A-4C96-8DB5-BCE9A09F77BB}"/>
+                <a16:creationId xmlns="" xmlns:a16="http://schemas.microsoft.com/office/drawing/2014/main" id="{F464B30B-9C6A-4C96-8DB5-BCE9A09F77BB}"/>
               </a:ext>
             </a:extLst>
           </p:cNvPr>
@@ -2182,7 +2181,7 @@
           <a:p>
             <a:fld id="{246E467A-4026-4A8D-97BF-715EF7FA6491}" type="datetimeFigureOut">
               <a:rPr lang="ko-KR" altLang="en-US" smtClean="0"/>
-              <a:t>2023-09-13</a:t>
+              <a:t>2023-10-04</a:t>
             </a:fld>
             <a:endParaRPr lang="ko-KR" altLang="en-US"/>
           </a:p>
@@ -2193,7 +2192,7 @@
           <p:cNvPr id="8" name="바닥글 개체 틀 7">
             <a:extLst>
               <a:ext uri="{FF2B5EF4-FFF2-40B4-BE49-F238E27FC236}">
-                <a16:creationId xmlns:a16="http://schemas.microsoft.com/office/drawing/2014/main" xmlns="" id="{16A11AC4-2315-46FE-81A4-FE4B843497D9}"/>
+                <a16:creationId xmlns="" xmlns:a16="http://schemas.microsoft.com/office/drawing/2014/main" id="{16A11AC4-2315-46FE-81A4-FE4B843497D9}"/>
               </a:ext>
             </a:extLst>
           </p:cNvPr>
@@ -2218,7 +2217,7 @@
           <p:cNvPr id="9" name="슬라이드 번호 개체 틀 8">
             <a:extLst>
               <a:ext uri="{FF2B5EF4-FFF2-40B4-BE49-F238E27FC236}">
-                <a16:creationId xmlns:a16="http://schemas.microsoft.com/office/drawing/2014/main" xmlns="" id="{DC2D39CB-CB92-40B8-9B0C-3FBBBDF9DDF4}"/>
+                <a16:creationId xmlns="" xmlns:a16="http://schemas.microsoft.com/office/drawing/2014/main" id="{DC2D39CB-CB92-40B8-9B0C-3FBBBDF9DDF4}"/>
               </a:ext>
             </a:extLst>
           </p:cNvPr>
@@ -2277,7 +2276,7 @@
           <p:cNvPr id="2" name="제목 1">
             <a:extLst>
               <a:ext uri="{FF2B5EF4-FFF2-40B4-BE49-F238E27FC236}">
-                <a16:creationId xmlns:a16="http://schemas.microsoft.com/office/drawing/2014/main" xmlns="" id="{90E32E25-F5B3-41EE-BD3B-6965721B8BFA}"/>
+                <a16:creationId xmlns="" xmlns:a16="http://schemas.microsoft.com/office/drawing/2014/main" id="{90E32E25-F5B3-41EE-BD3B-6965721B8BFA}"/>
               </a:ext>
             </a:extLst>
           </p:cNvPr>
@@ -2305,7 +2304,7 @@
           <p:cNvPr id="3" name="날짜 개체 틀 2">
             <a:extLst>
               <a:ext uri="{FF2B5EF4-FFF2-40B4-BE49-F238E27FC236}">
-                <a16:creationId xmlns:a16="http://schemas.microsoft.com/office/drawing/2014/main" xmlns="" id="{0CFE1863-7C02-424B-AF80-CDB396716C6B}"/>
+                <a16:creationId xmlns="" xmlns:a16="http://schemas.microsoft.com/office/drawing/2014/main" id="{0CFE1863-7C02-424B-AF80-CDB396716C6B}"/>
               </a:ext>
             </a:extLst>
           </p:cNvPr>
@@ -2323,7 +2322,7 @@
           <a:p>
             <a:fld id="{246E467A-4026-4A8D-97BF-715EF7FA6491}" type="datetimeFigureOut">
               <a:rPr lang="ko-KR" altLang="en-US" smtClean="0"/>
-              <a:t>2023-09-13</a:t>
+              <a:t>2023-10-04</a:t>
             </a:fld>
             <a:endParaRPr lang="ko-KR" altLang="en-US"/>
           </a:p>
@@ -2334,7 +2333,7 @@
           <p:cNvPr id="4" name="바닥글 개체 틀 3">
             <a:extLst>
               <a:ext uri="{FF2B5EF4-FFF2-40B4-BE49-F238E27FC236}">
-                <a16:creationId xmlns:a16="http://schemas.microsoft.com/office/drawing/2014/main" xmlns="" id="{2F99FB34-90A4-44A0-9CF8-F0BC0FE4AB26}"/>
+                <a16:creationId xmlns="" xmlns:a16="http://schemas.microsoft.com/office/drawing/2014/main" id="{2F99FB34-90A4-44A0-9CF8-F0BC0FE4AB26}"/>
               </a:ext>
             </a:extLst>
           </p:cNvPr>
@@ -2359,7 +2358,7 @@
           <p:cNvPr id="5" name="슬라이드 번호 개체 틀 4">
             <a:extLst>
               <a:ext uri="{FF2B5EF4-FFF2-40B4-BE49-F238E27FC236}">
-                <a16:creationId xmlns:a16="http://schemas.microsoft.com/office/drawing/2014/main" xmlns="" id="{56375702-4955-406C-919C-D35A1B84B474}"/>
+                <a16:creationId xmlns="" xmlns:a16="http://schemas.microsoft.com/office/drawing/2014/main" id="{56375702-4955-406C-919C-D35A1B84B474}"/>
               </a:ext>
             </a:extLst>
           </p:cNvPr>
@@ -2418,7 +2417,7 @@
           <p:cNvPr id="2" name="날짜 개체 틀 1">
             <a:extLst>
               <a:ext uri="{FF2B5EF4-FFF2-40B4-BE49-F238E27FC236}">
-                <a16:creationId xmlns:a16="http://schemas.microsoft.com/office/drawing/2014/main" xmlns="" id="{D76E1BA2-3103-4DB2-AAEB-ED1BAE4527B3}"/>
+                <a16:creationId xmlns="" xmlns:a16="http://schemas.microsoft.com/office/drawing/2014/main" id="{D76E1BA2-3103-4DB2-AAEB-ED1BAE4527B3}"/>
               </a:ext>
             </a:extLst>
           </p:cNvPr>
@@ -2436,7 +2435,7 @@
           <a:p>
             <a:fld id="{246E467A-4026-4A8D-97BF-715EF7FA6491}" type="datetimeFigureOut">
               <a:rPr lang="ko-KR" altLang="en-US" smtClean="0"/>
-              <a:t>2023-09-13</a:t>
+              <a:t>2023-10-04</a:t>
             </a:fld>
             <a:endParaRPr lang="ko-KR" altLang="en-US"/>
           </a:p>
@@ -2447,7 +2446,7 @@
           <p:cNvPr id="3" name="바닥글 개체 틀 2">
             <a:extLst>
               <a:ext uri="{FF2B5EF4-FFF2-40B4-BE49-F238E27FC236}">
-                <a16:creationId xmlns:a16="http://schemas.microsoft.com/office/drawing/2014/main" xmlns="" id="{505D5A54-85CA-45E5-9801-A3F15EEFCC94}"/>
+                <a16:creationId xmlns="" xmlns:a16="http://schemas.microsoft.com/office/drawing/2014/main" id="{505D5A54-85CA-45E5-9801-A3F15EEFCC94}"/>
               </a:ext>
             </a:extLst>
           </p:cNvPr>
@@ -2472,7 +2471,7 @@
           <p:cNvPr id="4" name="슬라이드 번호 개체 틀 3">
             <a:extLst>
               <a:ext uri="{FF2B5EF4-FFF2-40B4-BE49-F238E27FC236}">
-                <a16:creationId xmlns:a16="http://schemas.microsoft.com/office/drawing/2014/main" xmlns="" id="{A812AF2F-D0EC-4C7E-8979-4C17E3F4B44D}"/>
+                <a16:creationId xmlns="" xmlns:a16="http://schemas.microsoft.com/office/drawing/2014/main" id="{A812AF2F-D0EC-4C7E-8979-4C17E3F4B44D}"/>
               </a:ext>
             </a:extLst>
           </p:cNvPr>
@@ -2531,7 +2530,7 @@
           <p:cNvPr id="2" name="제목 1">
             <a:extLst>
               <a:ext uri="{FF2B5EF4-FFF2-40B4-BE49-F238E27FC236}">
-                <a16:creationId xmlns:a16="http://schemas.microsoft.com/office/drawing/2014/main" xmlns="" id="{8C03A167-5C7C-4CD2-A3E4-B6F94583214B}"/>
+                <a16:creationId xmlns="" xmlns:a16="http://schemas.microsoft.com/office/drawing/2014/main" id="{8C03A167-5C7C-4CD2-A3E4-B6F94583214B}"/>
               </a:ext>
             </a:extLst>
           </p:cNvPr>
@@ -2568,7 +2567,7 @@
           <p:cNvPr id="3" name="내용 개체 틀 2">
             <a:extLst>
               <a:ext uri="{FF2B5EF4-FFF2-40B4-BE49-F238E27FC236}">
-                <a16:creationId xmlns:a16="http://schemas.microsoft.com/office/drawing/2014/main" xmlns="" id="{5421CEB6-C525-4AEB-BB3E-B13156901366}"/>
+                <a16:creationId xmlns="" xmlns:a16="http://schemas.microsoft.com/office/drawing/2014/main" id="{5421CEB6-C525-4AEB-BB3E-B13156901366}"/>
               </a:ext>
             </a:extLst>
           </p:cNvPr>
@@ -2658,7 +2657,7 @@
           <p:cNvPr id="4" name="텍스트 개체 틀 3">
             <a:extLst>
               <a:ext uri="{FF2B5EF4-FFF2-40B4-BE49-F238E27FC236}">
-                <a16:creationId xmlns:a16="http://schemas.microsoft.com/office/drawing/2014/main" xmlns="" id="{69296C9A-4472-4D30-BFAE-60CB397B5014}"/>
+                <a16:creationId xmlns="" xmlns:a16="http://schemas.microsoft.com/office/drawing/2014/main" id="{69296C9A-4472-4D30-BFAE-60CB397B5014}"/>
               </a:ext>
             </a:extLst>
           </p:cNvPr>
@@ -2729,7 +2728,7 @@
           <p:cNvPr id="5" name="날짜 개체 틀 4">
             <a:extLst>
               <a:ext uri="{FF2B5EF4-FFF2-40B4-BE49-F238E27FC236}">
-                <a16:creationId xmlns:a16="http://schemas.microsoft.com/office/drawing/2014/main" xmlns="" id="{F44E3F16-D603-4838-BA1C-0C9EEDE4AC92}"/>
+                <a16:creationId xmlns="" xmlns:a16="http://schemas.microsoft.com/office/drawing/2014/main" id="{F44E3F16-D603-4838-BA1C-0C9EEDE4AC92}"/>
               </a:ext>
             </a:extLst>
           </p:cNvPr>
@@ -2747,7 +2746,7 @@
           <a:p>
             <a:fld id="{246E467A-4026-4A8D-97BF-715EF7FA6491}" type="datetimeFigureOut">
               <a:rPr lang="ko-KR" altLang="en-US" smtClean="0"/>
-              <a:t>2023-09-13</a:t>
+              <a:t>2023-10-04</a:t>
             </a:fld>
             <a:endParaRPr lang="ko-KR" altLang="en-US"/>
           </a:p>
@@ -2758,7 +2757,7 @@
           <p:cNvPr id="6" name="바닥글 개체 틀 5">
             <a:extLst>
               <a:ext uri="{FF2B5EF4-FFF2-40B4-BE49-F238E27FC236}">
-                <a16:creationId xmlns:a16="http://schemas.microsoft.com/office/drawing/2014/main" xmlns="" id="{F48873C6-9D3A-4C62-9D46-88E6BAABCBA4}"/>
+                <a16:creationId xmlns="" xmlns:a16="http://schemas.microsoft.com/office/drawing/2014/main" id="{F48873C6-9D3A-4C62-9D46-88E6BAABCBA4}"/>
               </a:ext>
             </a:extLst>
           </p:cNvPr>
@@ -2783,7 +2782,7 @@
           <p:cNvPr id="7" name="슬라이드 번호 개체 틀 6">
             <a:extLst>
               <a:ext uri="{FF2B5EF4-FFF2-40B4-BE49-F238E27FC236}">
-                <a16:creationId xmlns:a16="http://schemas.microsoft.com/office/drawing/2014/main" xmlns="" id="{79A9C646-865F-49F4-8BDD-FB9A4DECA8F3}"/>
+                <a16:creationId xmlns="" xmlns:a16="http://schemas.microsoft.com/office/drawing/2014/main" id="{79A9C646-865F-49F4-8BDD-FB9A4DECA8F3}"/>
               </a:ext>
             </a:extLst>
           </p:cNvPr>
@@ -2842,7 +2841,7 @@
           <p:cNvPr id="2" name="제목 1">
             <a:extLst>
               <a:ext uri="{FF2B5EF4-FFF2-40B4-BE49-F238E27FC236}">
-                <a16:creationId xmlns:a16="http://schemas.microsoft.com/office/drawing/2014/main" xmlns="" id="{E5F258A6-5AAD-4F1F-976F-EDB5FF7254F0}"/>
+                <a16:creationId xmlns="" xmlns:a16="http://schemas.microsoft.com/office/drawing/2014/main" id="{E5F258A6-5AAD-4F1F-976F-EDB5FF7254F0}"/>
               </a:ext>
             </a:extLst>
           </p:cNvPr>
@@ -2879,7 +2878,7 @@
           <p:cNvPr id="3" name="그림 개체 틀 2">
             <a:extLst>
               <a:ext uri="{FF2B5EF4-FFF2-40B4-BE49-F238E27FC236}">
-                <a16:creationId xmlns:a16="http://schemas.microsoft.com/office/drawing/2014/main" xmlns="" id="{D2F4441E-0165-42AA-88F8-E53C4BAAC1DE}"/>
+                <a16:creationId xmlns="" xmlns:a16="http://schemas.microsoft.com/office/drawing/2014/main" id="{D2F4441E-0165-42AA-88F8-E53C4BAAC1DE}"/>
               </a:ext>
             </a:extLst>
           </p:cNvPr>
@@ -2946,7 +2945,7 @@
           <p:cNvPr id="4" name="텍스트 개체 틀 3">
             <a:extLst>
               <a:ext uri="{FF2B5EF4-FFF2-40B4-BE49-F238E27FC236}">
-                <a16:creationId xmlns:a16="http://schemas.microsoft.com/office/drawing/2014/main" xmlns="" id="{5AFCA1E8-0D3C-4590-82E2-D018D6E61D0F}"/>
+                <a16:creationId xmlns="" xmlns:a16="http://schemas.microsoft.com/office/drawing/2014/main" id="{5AFCA1E8-0D3C-4590-82E2-D018D6E61D0F}"/>
               </a:ext>
             </a:extLst>
           </p:cNvPr>
@@ -3017,7 +3016,7 @@
           <p:cNvPr id="5" name="날짜 개체 틀 4">
             <a:extLst>
               <a:ext uri="{FF2B5EF4-FFF2-40B4-BE49-F238E27FC236}">
-                <a16:creationId xmlns:a16="http://schemas.microsoft.com/office/drawing/2014/main" xmlns="" id="{0A674557-7FD9-416C-A8B5-FA6C4B5558AE}"/>
+                <a16:creationId xmlns="" xmlns:a16="http://schemas.microsoft.com/office/drawing/2014/main" id="{0A674557-7FD9-416C-A8B5-FA6C4B5558AE}"/>
               </a:ext>
             </a:extLst>
           </p:cNvPr>
@@ -3035,7 +3034,7 @@
           <a:p>
             <a:fld id="{246E467A-4026-4A8D-97BF-715EF7FA6491}" type="datetimeFigureOut">
               <a:rPr lang="ko-KR" altLang="en-US" smtClean="0"/>
-              <a:t>2023-09-13</a:t>
+              <a:t>2023-10-04</a:t>
             </a:fld>
             <a:endParaRPr lang="ko-KR" altLang="en-US"/>
           </a:p>
@@ -3046,7 +3045,7 @@
           <p:cNvPr id="6" name="바닥글 개체 틀 5">
             <a:extLst>
               <a:ext uri="{FF2B5EF4-FFF2-40B4-BE49-F238E27FC236}">
-                <a16:creationId xmlns:a16="http://schemas.microsoft.com/office/drawing/2014/main" xmlns="" id="{9C4A215C-B55F-4988-B45B-7667E8C7CAF6}"/>
+                <a16:creationId xmlns="" xmlns:a16="http://schemas.microsoft.com/office/drawing/2014/main" id="{9C4A215C-B55F-4988-B45B-7667E8C7CAF6}"/>
               </a:ext>
             </a:extLst>
           </p:cNvPr>
@@ -3071,7 +3070,7 @@
           <p:cNvPr id="7" name="슬라이드 번호 개체 틀 6">
             <a:extLst>
               <a:ext uri="{FF2B5EF4-FFF2-40B4-BE49-F238E27FC236}">
-                <a16:creationId xmlns:a16="http://schemas.microsoft.com/office/drawing/2014/main" xmlns="" id="{82FF3B86-5A48-411F-8090-830140A677FA}"/>
+                <a16:creationId xmlns="" xmlns:a16="http://schemas.microsoft.com/office/drawing/2014/main" id="{82FF3B86-5A48-411F-8090-830140A677FA}"/>
               </a:ext>
             </a:extLst>
           </p:cNvPr>
@@ -3135,7 +3134,7 @@
           <p:cNvPr id="2" name="제목 개체 틀 1">
             <a:extLst>
               <a:ext uri="{FF2B5EF4-FFF2-40B4-BE49-F238E27FC236}">
-                <a16:creationId xmlns:a16="http://schemas.microsoft.com/office/drawing/2014/main" xmlns="" id="{B9DF84FF-C412-430B-963A-695AABF70E5D}"/>
+                <a16:creationId xmlns="" xmlns:a16="http://schemas.microsoft.com/office/drawing/2014/main" id="{B9DF84FF-C412-430B-963A-695AABF70E5D}"/>
               </a:ext>
             </a:extLst>
           </p:cNvPr>
@@ -3173,7 +3172,7 @@
           <p:cNvPr id="3" name="텍스트 개체 틀 2">
             <a:extLst>
               <a:ext uri="{FF2B5EF4-FFF2-40B4-BE49-F238E27FC236}">
-                <a16:creationId xmlns:a16="http://schemas.microsoft.com/office/drawing/2014/main" xmlns="" id="{45EE7982-A999-4B0A-85F1-A0D5C55038DC}"/>
+                <a16:creationId xmlns="" xmlns:a16="http://schemas.microsoft.com/office/drawing/2014/main" id="{45EE7982-A999-4B0A-85F1-A0D5C55038DC}"/>
               </a:ext>
             </a:extLst>
           </p:cNvPr>
@@ -3240,7 +3239,7 @@
           <p:cNvPr id="4" name="날짜 개체 틀 3">
             <a:extLst>
               <a:ext uri="{FF2B5EF4-FFF2-40B4-BE49-F238E27FC236}">
-                <a16:creationId xmlns:a16="http://schemas.microsoft.com/office/drawing/2014/main" xmlns="" id="{3F48EB6A-F091-464F-A783-1AE546A56948}"/>
+                <a16:creationId xmlns="" xmlns:a16="http://schemas.microsoft.com/office/drawing/2014/main" id="{3F48EB6A-F091-464F-A783-1AE546A56948}"/>
               </a:ext>
             </a:extLst>
           </p:cNvPr>
@@ -3276,7 +3275,7 @@
           <a:p>
             <a:fld id="{246E467A-4026-4A8D-97BF-715EF7FA6491}" type="datetimeFigureOut">
               <a:rPr lang="ko-KR" altLang="en-US" smtClean="0"/>
-              <a:t>2023-09-13</a:t>
+              <a:t>2023-10-04</a:t>
             </a:fld>
             <a:endParaRPr lang="ko-KR" altLang="en-US"/>
           </a:p>
@@ -3287,7 +3286,7 @@
           <p:cNvPr id="5" name="바닥글 개체 틀 4">
             <a:extLst>
               <a:ext uri="{FF2B5EF4-FFF2-40B4-BE49-F238E27FC236}">
-                <a16:creationId xmlns:a16="http://schemas.microsoft.com/office/drawing/2014/main" xmlns="" id="{9531D2C7-63D5-4319-952D-A6F8404F460B}"/>
+                <a16:creationId xmlns="" xmlns:a16="http://schemas.microsoft.com/office/drawing/2014/main" id="{9531D2C7-63D5-4319-952D-A6F8404F460B}"/>
               </a:ext>
             </a:extLst>
           </p:cNvPr>
@@ -3330,7 +3329,7 @@
           <p:cNvPr id="6" name="슬라이드 번호 개체 틀 5">
             <a:extLst>
               <a:ext uri="{FF2B5EF4-FFF2-40B4-BE49-F238E27FC236}">
-                <a16:creationId xmlns:a16="http://schemas.microsoft.com/office/drawing/2014/main" xmlns="" id="{7739517A-02D4-4037-9427-974339FE7C30}"/>
+                <a16:creationId xmlns="" xmlns:a16="http://schemas.microsoft.com/office/drawing/2014/main" id="{7739517A-02D4-4037-9427-974339FE7C30}"/>
               </a:ext>
             </a:extLst>
           </p:cNvPr>
@@ -3706,7 +3705,7 @@
           <p:cNvPr id="2" name="TextBox 1">
             <a:extLst>
               <a:ext uri="{FF2B5EF4-FFF2-40B4-BE49-F238E27FC236}">
-                <a16:creationId xmlns:a16="http://schemas.microsoft.com/office/drawing/2014/main" xmlns="" id="{C70C938C-F8B1-4FFF-8F74-6ED0A876B136}"/>
+                <a16:creationId xmlns="" xmlns:a16="http://schemas.microsoft.com/office/drawing/2014/main" id="{C70C938C-F8B1-4FFF-8F74-6ED0A876B136}"/>
               </a:ext>
             </a:extLst>
           </p:cNvPr>
@@ -3747,7 +3746,7 @@
           <p:cNvPr id="3" name="TextBox 2">
             <a:extLst>
               <a:ext uri="{FF2B5EF4-FFF2-40B4-BE49-F238E27FC236}">
-                <a16:creationId xmlns:a16="http://schemas.microsoft.com/office/drawing/2014/main" xmlns="" id="{CC61FC92-B1C1-4C46-ABEF-2B6B78AA5915}"/>
+                <a16:creationId xmlns="" xmlns:a16="http://schemas.microsoft.com/office/drawing/2014/main" id="{CC61FC92-B1C1-4C46-ABEF-2B6B78AA5915}"/>
               </a:ext>
             </a:extLst>
           </p:cNvPr>
@@ -3788,7 +3787,7 @@
           <p:cNvPr id="8" name="그림 7" descr="사람, 서있는, 남자, 착용이(가) 표시된 사진&#10;&#10;자동 생성된 설명">
             <a:extLst>
               <a:ext uri="{FF2B5EF4-FFF2-40B4-BE49-F238E27FC236}">
-                <a16:creationId xmlns:a16="http://schemas.microsoft.com/office/drawing/2014/main" xmlns="" id="{398D98B8-2DFA-8476-B48A-2240354A960C}"/>
+                <a16:creationId xmlns="" xmlns:a16="http://schemas.microsoft.com/office/drawing/2014/main" id="{398D98B8-2DFA-8476-B48A-2240354A960C}"/>
               </a:ext>
             </a:extLst>
           </p:cNvPr>
@@ -3824,7 +3823,7 @@
           <p:cNvPr id="10" name="그림 9" descr="사람이(가) 표시된 사진&#10;&#10;자동 생성된 설명">
             <a:extLst>
               <a:ext uri="{FF2B5EF4-FFF2-40B4-BE49-F238E27FC236}">
-                <a16:creationId xmlns:a16="http://schemas.microsoft.com/office/drawing/2014/main" xmlns="" id="{0BE051E3-CAB7-BCFC-0441-E2FD03007A8D}"/>
+                <a16:creationId xmlns="" xmlns:a16="http://schemas.microsoft.com/office/drawing/2014/main" id="{0BE051E3-CAB7-BCFC-0441-E2FD03007A8D}"/>
               </a:ext>
             </a:extLst>
           </p:cNvPr>
@@ -3860,7 +3859,7 @@
           <p:cNvPr id="12" name="그림 11" descr="사람, 남자, 착용, 서있는이(가) 표시된 사진&#10;&#10;자동 생성된 설명">
             <a:extLst>
               <a:ext uri="{FF2B5EF4-FFF2-40B4-BE49-F238E27FC236}">
-                <a16:creationId xmlns:a16="http://schemas.microsoft.com/office/drawing/2014/main" xmlns="" id="{E9B0AD0F-14A6-F8C1-AEF5-1B01B5CEF846}"/>
+                <a16:creationId xmlns="" xmlns:a16="http://schemas.microsoft.com/office/drawing/2014/main" id="{E9B0AD0F-14A6-F8C1-AEF5-1B01B5CEF846}"/>
               </a:ext>
             </a:extLst>
           </p:cNvPr>
@@ -3945,7 +3944,7 @@
           <p:cNvPr id="3" name="직선 연결선 2">
             <a:extLst>
               <a:ext uri="{FF2B5EF4-FFF2-40B4-BE49-F238E27FC236}">
-                <a16:creationId xmlns:a16="http://schemas.microsoft.com/office/drawing/2014/main" xmlns="" id="{30B7886A-E2C2-47A8-A271-1FD08F52EED0}"/>
+                <a16:creationId xmlns="" xmlns:a16="http://schemas.microsoft.com/office/drawing/2014/main" id="{30B7886A-E2C2-47A8-A271-1FD08F52EED0}"/>
               </a:ext>
             </a:extLst>
           </p:cNvPr>
@@ -3988,7 +3987,7 @@
           <p:cNvPr id="18" name="직선 연결선 17">
             <a:extLst>
               <a:ext uri="{FF2B5EF4-FFF2-40B4-BE49-F238E27FC236}">
-                <a16:creationId xmlns:a16="http://schemas.microsoft.com/office/drawing/2014/main" xmlns="" id="{7911BDFD-7E29-44F7-9ED7-E8F36B51436C}"/>
+                <a16:creationId xmlns="" xmlns:a16="http://schemas.microsoft.com/office/drawing/2014/main" id="{7911BDFD-7E29-44F7-9ED7-E8F36B51436C}"/>
               </a:ext>
             </a:extLst>
           </p:cNvPr>
@@ -4027,8 +4026,8 @@
         </p:nvSpPr>
         <p:spPr>
           <a:xfrm>
-            <a:off x="869950" y="5837536"/>
-            <a:ext cx="10354734" cy="369332"/>
+            <a:off x="869950" y="5552239"/>
+            <a:ext cx="10354734" cy="646331"/>
           </a:xfrm>
           <a:prstGeom prst="rect">
             <a:avLst/>
@@ -4042,24 +4041,55 @@
           <a:lstStyle/>
           <a:p>
             <a:r>
+              <a:rPr lang="en-US" altLang="ko-KR" dirty="0" smtClean="0"/>
+              <a:t>AI </a:t>
+            </a:r>
+            <a:r>
               <a:rPr lang="ko-KR" altLang="en-US" dirty="0" smtClean="0"/>
+              <a:t>서버 </a:t>
+            </a:r>
+            <a:r>
+              <a:rPr lang="en-US" altLang="ko-KR" dirty="0" err="1" smtClean="0"/>
+              <a:t>Duckdns</a:t>
+            </a:r>
+            <a:r>
+              <a:rPr lang="ko-KR" altLang="en-US" dirty="0" smtClean="0"/>
+              <a:t>로 </a:t>
+            </a:r>
+            <a:r>
+              <a:rPr lang="en-US" altLang="ko-KR" dirty="0" smtClean="0"/>
+              <a:t>DDNS</a:t>
+            </a:r>
+            <a:r>
+              <a:rPr lang="ko-KR" altLang="en-US" dirty="0"/>
               <a:t> </a:t>
             </a:r>
             <a:r>
-              <a:rPr lang="ko-KR" altLang="en-US" dirty="0" err="1" smtClean="0"/>
-              <a:t>반응형으로</a:t>
-            </a:r>
-            <a:r>
               <a:rPr lang="ko-KR" altLang="en-US" dirty="0" smtClean="0"/>
-              <a:t> 디자인 작업 진행 및 아이콘과 </a:t>
-            </a:r>
-            <a:r>
-              <a:rPr lang="ko-KR" altLang="en-US" dirty="0"/>
-              <a:t>같은 디자인 요소 </a:t>
+              <a:t>사용</a:t>
+            </a:r>
+            <a:r>
+              <a:rPr lang="en-US" altLang="ko-KR" dirty="0" smtClean="0"/>
+              <a:t>, WSGI(Web </a:t>
+            </a:r>
+            <a:r>
+              <a:rPr lang="en-US" altLang="ko-KR" dirty="0"/>
+              <a:t>Server Gateway Interface</a:t>
+            </a:r>
+            <a:r>
+              <a:rPr lang="en-US" altLang="ko-KR" dirty="0" smtClean="0"/>
+              <a:t>)</a:t>
             </a:r>
             <a:r>
               <a:rPr lang="ko-KR" altLang="en-US" dirty="0" smtClean="0"/>
-              <a:t>제작  </a:t>
+              <a:t>로</a:t>
+            </a:r>
+            <a:endParaRPr lang="en-US" altLang="ko-KR" dirty="0" smtClean="0"/>
+          </a:p>
+          <a:p>
+            <a:r>
+              <a:rPr lang="ko-KR" altLang="en-US" dirty="0" smtClean="0"/>
+              <a:t>서로 다른 네트워크 에서 접속 가능 확인</a:t>
             </a:r>
             <a:endParaRPr lang="en-US" altLang="ko-KR" dirty="0" smtClean="0"/>
           </a:p>
@@ -4067,14 +4097,14 @@
       </p:sp>
       <p:pic>
         <p:nvPicPr>
-          <p:cNvPr id="1028" name="Picture 4" descr="C:\Users\user\Desktop\22233.JPG"/>
+          <p:cNvPr id="1026" name="Picture 2" descr="C:\Users\user\Desktop\다운로드.png"/>
           <p:cNvPicPr>
             <a:picLocks noChangeAspect="1" noChangeArrowheads="1"/>
           </p:cNvPicPr>
           <p:nvPr/>
         </p:nvPicPr>
         <p:blipFill>
-          <a:blip r:embed="rId2" cstate="screen">
+          <a:blip r:embed="rId2">
             <a:extLst>
               <a:ext uri="{28A0092B-C50C-407E-A947-70E740481C1C}">
                 <a14:useLocalDpi xmlns:a14="http://schemas.microsoft.com/office/drawing/2010/main" val="0"/>
@@ -4088,8 +4118,8 @@
         </p:blipFill>
         <p:spPr bwMode="auto">
           <a:xfrm>
-            <a:off x="6995832" y="278640"/>
-            <a:ext cx="4545265" cy="5361763"/>
+            <a:off x="1417809" y="3030473"/>
+            <a:ext cx="3836989" cy="919540"/>
           </a:xfrm>
           <a:prstGeom prst="rect">
             <a:avLst/>
@@ -4108,7 +4138,7 @@
       </p:pic>
       <p:pic>
         <p:nvPicPr>
-          <p:cNvPr id="1029" name="Picture 5" descr="C:\Users\user\Desktop\1112.JPG"/>
+          <p:cNvPr id="1027" name="Picture 3" descr="C:\Users\user\Desktop\12233322.JPG"/>
           <p:cNvPicPr>
             <a:picLocks noChangeAspect="1" noChangeArrowheads="1"/>
           </p:cNvPicPr>
@@ -4129,8 +4159,8 @@
         </p:blipFill>
         <p:spPr bwMode="auto">
           <a:xfrm>
-            <a:off x="397152" y="635267"/>
-            <a:ext cx="6469738" cy="4446873"/>
+            <a:off x="6515100" y="1642608"/>
+            <a:ext cx="4709584" cy="3482975"/>
           </a:xfrm>
           <a:prstGeom prst="rect">
             <a:avLst/>
@@ -4147,6 +4177,52 @@
           </a:extLst>
         </p:spPr>
       </p:pic>
+      <p:sp>
+        <p:nvSpPr>
+          <p:cNvPr id="2" name="오른쪽 화살표 1"/>
+          <p:cNvSpPr/>
+          <p:nvPr/>
+        </p:nvSpPr>
+        <p:spPr>
+          <a:xfrm>
+            <a:off x="5473700" y="3168509"/>
+            <a:ext cx="897467" cy="643467"/>
+          </a:xfrm>
+          <a:prstGeom prst="rightArrow">
+            <a:avLst/>
+          </a:prstGeom>
+          <a:solidFill>
+            <a:schemeClr val="accent4"/>
+          </a:solidFill>
+          <a:ln>
+            <a:noFill/>
+          </a:ln>
+        </p:spPr>
+        <p:style>
+          <a:lnRef idx="2">
+            <a:schemeClr val="accent1">
+              <a:shade val="50000"/>
+            </a:schemeClr>
+          </a:lnRef>
+          <a:fillRef idx="1">
+            <a:schemeClr val="accent1"/>
+          </a:fillRef>
+          <a:effectRef idx="0">
+            <a:schemeClr val="accent1"/>
+          </a:effectRef>
+          <a:fontRef idx="minor">
+            <a:schemeClr val="lt1"/>
+          </a:fontRef>
+        </p:style>
+        <p:txBody>
+          <a:bodyPr rtlCol="0" anchor="ctr"/>
+          <a:lstStyle/>
+          <a:p>
+            <a:pPr algn="ctr"/>
+            <a:endParaRPr lang="ko-KR" altLang="en-US"/>
+          </a:p>
+        </p:txBody>
+      </p:sp>
     </p:spTree>
     <p:extLst>
       <p:ext uri="{BB962C8B-B14F-4D97-AF65-F5344CB8AC3E}">
@@ -4201,7 +4277,7 @@
           <p:cNvPr id="3" name="직선 연결선 2">
             <a:extLst>
               <a:ext uri="{FF2B5EF4-FFF2-40B4-BE49-F238E27FC236}">
-                <a16:creationId xmlns:a16="http://schemas.microsoft.com/office/drawing/2014/main" xmlns="" id="{30B7886A-E2C2-47A8-A271-1FD08F52EED0}"/>
+                <a16:creationId xmlns="" xmlns:a16="http://schemas.microsoft.com/office/drawing/2014/main" id="{30B7886A-E2C2-47A8-A271-1FD08F52EED0}"/>
               </a:ext>
             </a:extLst>
           </p:cNvPr>
@@ -4244,7 +4320,7 @@
           <p:cNvPr id="18" name="직선 연결선 17">
             <a:extLst>
               <a:ext uri="{FF2B5EF4-FFF2-40B4-BE49-F238E27FC236}">
-                <a16:creationId xmlns:a16="http://schemas.microsoft.com/office/drawing/2014/main" xmlns="" id="{7911BDFD-7E29-44F7-9ED7-E8F36B51436C}"/>
+                <a16:creationId xmlns="" xmlns:a16="http://schemas.microsoft.com/office/drawing/2014/main" id="{7911BDFD-7E29-44F7-9ED7-E8F36B51436C}"/>
               </a:ext>
             </a:extLst>
           </p:cNvPr>
@@ -4283,7 +4359,7 @@
         </p:nvSpPr>
         <p:spPr>
           <a:xfrm>
-            <a:off x="869950" y="5722033"/>
+            <a:off x="918369" y="5881664"/>
             <a:ext cx="10354734" cy="646331"/>
           </a:xfrm>
           <a:prstGeom prst="rect">
@@ -4299,119 +4375,45 @@
           <a:p>
             <a:r>
               <a:rPr lang="en-US" altLang="ko-KR" dirty="0" smtClean="0"/>
-              <a:t>AI </a:t>
+              <a:t> </a:t>
             </a:r>
             <a:r>
               <a:rPr lang="ko-KR" altLang="en-US" dirty="0" smtClean="0"/>
-              <a:t>서버를 돌릴 경우</a:t>
-            </a:r>
-            <a:r>
-              <a:rPr lang="en-US" altLang="ko-KR" dirty="0"/>
-              <a:t>,</a:t>
+              <a:t>다른 네트워크 로컬에서 실행은 되지만</a:t>
+            </a:r>
+            <a:endParaRPr lang="en-US" altLang="ko-KR" dirty="0" smtClean="0"/>
+          </a:p>
+          <a:p>
+            <a:r>
+              <a:rPr lang="en-US" altLang="ko-KR" dirty="0" smtClean="0"/>
+              <a:t> </a:t>
             </a:r>
             <a:r>
               <a:rPr lang="ko-KR" altLang="en-US" dirty="0" smtClean="0"/>
-              <a:t> </a:t>
-            </a:r>
-            <a:r>
-              <a:rPr lang="en-US" altLang="ko-KR" dirty="0" smtClean="0"/>
-              <a:t>GPU</a:t>
+              <a:t>웹 </a:t>
+            </a:r>
+            <a:r>
+              <a:rPr lang="ko-KR" altLang="en-US" dirty="0" err="1" smtClean="0"/>
+              <a:t>호스팅에서</a:t>
             </a:r>
             <a:r>
               <a:rPr lang="ko-KR" altLang="en-US" dirty="0" smtClean="0"/>
-              <a:t>를 사용한 </a:t>
-            </a:r>
-            <a:r>
-              <a:rPr lang="ko-KR" altLang="en-US" dirty="0" err="1" smtClean="0"/>
-              <a:t>호스팅</a:t>
-            </a:r>
-            <a:r>
-              <a:rPr lang="ko-KR" altLang="en-US" dirty="0" err="1" smtClean="0"/>
-              <a:t>이</a:t>
-            </a:r>
-            <a:r>
-              <a:rPr lang="ko-KR" altLang="en-US" dirty="0" smtClean="0"/>
-              <a:t> 유료이고</a:t>
-            </a:r>
-            <a:r>
-              <a:rPr lang="en-US" altLang="ko-KR" dirty="0" smtClean="0"/>
-              <a:t>, </a:t>
-            </a:r>
-            <a:r>
-              <a:rPr lang="ko-KR" altLang="en-US" dirty="0" smtClean="0"/>
-              <a:t>한달 약</a:t>
-            </a:r>
-            <a:r>
-              <a:rPr lang="en-US" altLang="ko-KR" dirty="0" smtClean="0"/>
-              <a:t>(100</a:t>
-            </a:r>
-            <a:r>
-              <a:rPr lang="ko-KR" altLang="en-US" dirty="0" smtClean="0"/>
-              <a:t>만원 내외</a:t>
-            </a:r>
-            <a:r>
-              <a:rPr lang="en-US" altLang="ko-KR" dirty="0" smtClean="0"/>
-              <a:t>) </a:t>
-            </a:r>
-          </a:p>
-          <a:p>
-            <a:r>
-              <a:rPr lang="ko-KR" altLang="en-US" dirty="0" smtClean="0"/>
-              <a:t>직접 도매인 구매하여</a:t>
-            </a:r>
-            <a:r>
-              <a:rPr lang="en-US" altLang="ko-KR" dirty="0" smtClean="0"/>
-              <a:t>, </a:t>
-            </a:r>
-            <a:r>
-              <a:rPr lang="ko-KR" altLang="en-US" dirty="0" err="1" smtClean="0"/>
-              <a:t>호스팅</a:t>
-            </a:r>
-            <a:r>
-              <a:rPr lang="ko-KR" altLang="en-US" dirty="0" smtClean="0"/>
-              <a:t> 하는 방법을 고려</a:t>
-            </a:r>
-            <a:r>
-              <a:rPr lang="en-US" altLang="ko-KR" dirty="0" smtClean="0"/>
-              <a:t>(AI </a:t>
-            </a:r>
-            <a:r>
-              <a:rPr lang="ko-KR" altLang="en-US" dirty="0" smtClean="0"/>
-              <a:t>서버만</a:t>
-            </a:r>
-            <a:r>
-              <a:rPr lang="en-US" altLang="ko-KR" dirty="0"/>
-              <a:t> </a:t>
-            </a:r>
-            <a:r>
-              <a:rPr lang="ko-KR" altLang="en-US" dirty="0" smtClean="0"/>
-              <a:t>돌리거나</a:t>
-            </a:r>
-            <a:r>
-              <a:rPr lang="en-US" altLang="ko-KR" dirty="0" smtClean="0"/>
-              <a:t>, AI </a:t>
-            </a:r>
-            <a:r>
-              <a:rPr lang="ko-KR" altLang="en-US" dirty="0" smtClean="0"/>
-              <a:t>및 전체를 돌리는 방법</a:t>
-            </a:r>
-            <a:r>
-              <a:rPr lang="en-US" altLang="ko-KR" dirty="0" smtClean="0"/>
-              <a:t>)</a:t>
-            </a:r>
+              <a:t> 연결 문제 발생 해결 중</a:t>
+            </a:r>
+            <a:endParaRPr lang="ko-KR" altLang="en-US" dirty="0"/>
           </a:p>
         </p:txBody>
       </p:sp>
       <p:pic>
         <p:nvPicPr>
-          <p:cNvPr id="2050" name="Picture 2" descr="C:\Users\user\Desktop\다운로드.png"/>
+          <p:cNvPr id="2050" name="Picture 2" descr="C:\Users\user\Desktop\2.3.JPG"/>
           <p:cNvPicPr>
             <a:picLocks noChangeAspect="1" noChangeArrowheads="1"/>
           </p:cNvPicPr>
           <p:nvPr/>
         </p:nvPicPr>
         <p:blipFill>
-          <a:blip r:embed="rId2">
+          <a:blip r:embed="rId2" cstate="screen">
             <a:extLst>
               <a:ext uri="{28A0092B-C50C-407E-A947-70E740481C1C}">
                 <a14:useLocalDpi xmlns:a14="http://schemas.microsoft.com/office/drawing/2010/main" val="0"/>
@@ -4425,8 +4427,8 @@
         </p:blipFill>
         <p:spPr bwMode="auto">
           <a:xfrm>
-            <a:off x="4615392" y="748243"/>
-            <a:ext cx="2674408" cy="4121735"/>
+            <a:off x="1153704" y="4461164"/>
+            <a:ext cx="9884064" cy="1141124"/>
           </a:xfrm>
           <a:prstGeom prst="rect">
             <a:avLst/>
@@ -4443,194 +4445,16 @@
           </a:extLst>
         </p:spPr>
       </p:pic>
-    </p:spTree>
-    <p:extLst>
-      <p:ext uri="{BB962C8B-B14F-4D97-AF65-F5344CB8AC3E}">
-        <p14:creationId xmlns:p14="http://schemas.microsoft.com/office/powerpoint/2010/main" val="1555402118"/>
-      </p:ext>
-    </p:extLst>
-  </p:cSld>
-  <p:clrMapOvr>
-    <a:masterClrMapping/>
-  </p:clrMapOvr>
-  <mc:AlternateContent xmlns:mc="http://schemas.openxmlformats.org/markup-compatibility/2006" xmlns:p14="http://schemas.microsoft.com/office/powerpoint/2010/main">
-    <mc:Choice Requires="p14">
-      <p:transition spd="med" p14:dur="700">
-        <p:fade/>
-      </p:transition>
-    </mc:Choice>
-    <mc:Fallback xmlns="">
-      <p:transition spd="med">
-        <p:fade/>
-      </p:transition>
-    </mc:Fallback>
-  </mc:AlternateContent>
-  <p:timing>
-    <p:tnLst>
-      <p:par>
-        <p:cTn id="1" dur="indefinite" restart="never" nodeType="tmRoot"/>
-      </p:par>
-    </p:tnLst>
-  </p:timing>
-</p:sld>
-</file>
-
-<file path=ppt/slides/slide4.xml><?xml version="1.0" encoding="utf-8"?>
-<p:sld xmlns:a="http://schemas.openxmlformats.org/drawingml/2006/main" xmlns:r="http://schemas.openxmlformats.org/officeDocument/2006/relationships" xmlns:p="http://schemas.openxmlformats.org/presentationml/2006/main">
-  <p:cSld>
-    <p:spTree>
-      <p:nvGrpSpPr>
-        <p:cNvPr id="1" name=""/>
-        <p:cNvGrpSpPr/>
-        <p:nvPr/>
-      </p:nvGrpSpPr>
-      <p:grpSpPr>
-        <a:xfrm>
-          <a:off x="0" y="0"/>
-          <a:ext cx="0" cy="0"/>
-          <a:chOff x="0" y="0"/>
-          <a:chExt cx="0" cy="0"/>
-        </a:xfrm>
-      </p:grpSpPr>
-      <p:cxnSp>
-        <p:nvCxnSpPr>
-          <p:cNvPr id="3" name="직선 연결선 2">
-            <a:extLst>
-              <a:ext uri="{FF2B5EF4-FFF2-40B4-BE49-F238E27FC236}">
-                <a16:creationId xmlns:a16="http://schemas.microsoft.com/office/drawing/2014/main" xmlns="" id="{30B7886A-E2C2-47A8-A271-1FD08F52EED0}"/>
-              </a:ext>
-            </a:extLst>
-          </p:cNvPr>
-          <p:cNvCxnSpPr>
-            <a:cxnSpLocks/>
-          </p:cNvCxnSpPr>
-          <p:nvPr/>
-        </p:nvCxnSpPr>
-        <p:spPr>
-          <a:xfrm>
-            <a:off x="152400" y="190500"/>
-            <a:ext cx="1435100" cy="0"/>
-          </a:xfrm>
-          <a:prstGeom prst="line">
-            <a:avLst/>
-          </a:prstGeom>
-          <a:ln w="76200">
-            <a:solidFill>
-              <a:schemeClr val="accent4"/>
-            </a:solidFill>
-          </a:ln>
-        </p:spPr>
-        <p:style>
-          <a:lnRef idx="1">
-            <a:schemeClr val="accent1"/>
-          </a:lnRef>
-          <a:fillRef idx="0">
-            <a:schemeClr val="accent1"/>
-          </a:fillRef>
-          <a:effectRef idx="0">
-            <a:schemeClr val="accent1"/>
-          </a:effectRef>
-          <a:fontRef idx="minor">
-            <a:schemeClr val="tx1"/>
-          </a:fontRef>
-        </p:style>
-      </p:cxnSp>
-      <p:cxnSp>
-        <p:nvCxnSpPr>
-          <p:cNvPr id="18" name="직선 연결선 17">
-            <a:extLst>
-              <a:ext uri="{FF2B5EF4-FFF2-40B4-BE49-F238E27FC236}">
-                <a16:creationId xmlns:a16="http://schemas.microsoft.com/office/drawing/2014/main" xmlns="" id="{7911BDFD-7E29-44F7-9ED7-E8F36B51436C}"/>
-              </a:ext>
-            </a:extLst>
-          </p:cNvPr>
-          <p:cNvCxnSpPr/>
-          <p:nvPr/>
-        </p:nvCxnSpPr>
-        <p:spPr>
-          <a:xfrm>
-            <a:off x="1587500" y="190500"/>
-            <a:ext cx="10604500" cy="0"/>
-          </a:xfrm>
-          <a:prstGeom prst="line">
-            <a:avLst/>
-          </a:prstGeom>
-        </p:spPr>
-        <p:style>
-          <a:lnRef idx="1">
-            <a:schemeClr val="accent1"/>
-          </a:lnRef>
-          <a:fillRef idx="0">
-            <a:schemeClr val="accent1"/>
-          </a:fillRef>
-          <a:effectRef idx="0">
-            <a:schemeClr val="accent1"/>
-          </a:effectRef>
-          <a:fontRef idx="minor">
-            <a:schemeClr val="tx1"/>
-          </a:fontRef>
-        </p:style>
-      </p:cxnSp>
-      <p:sp>
-        <p:nvSpPr>
-          <p:cNvPr id="4" name="TextBox 3"/>
-          <p:cNvSpPr txBox="1"/>
-          <p:nvPr/>
-        </p:nvSpPr>
-        <p:spPr>
-          <a:xfrm>
-            <a:off x="914136" y="5679533"/>
-            <a:ext cx="10354734" cy="369332"/>
-          </a:xfrm>
-          <a:prstGeom prst="rect">
-            <a:avLst/>
-          </a:prstGeom>
-          <a:noFill/>
-        </p:spPr>
-        <p:txBody>
-          <a:bodyPr wrap="square" rtlCol="0">
-            <a:spAutoFit/>
-          </a:bodyPr>
-          <a:lstStyle/>
-          <a:p>
-            <a:r>
-              <a:rPr lang="ko-KR" altLang="en-US" dirty="0" smtClean="0"/>
-              <a:t> </a:t>
-            </a:r>
-            <a:r>
-              <a:rPr lang="ko-KR" altLang="en-US" dirty="0" smtClean="0"/>
-              <a:t>서버에 작동 시킬 수 있도록 </a:t>
-            </a:r>
-            <a:r>
-              <a:rPr lang="en-US" altLang="ko-KR" dirty="0" smtClean="0"/>
-              <a:t>AI </a:t>
-            </a:r>
-            <a:r>
-              <a:rPr lang="ko-KR" altLang="en-US" dirty="0" smtClean="0"/>
-              <a:t>서버 측 코드 </a:t>
-            </a:r>
-            <a:r>
-              <a:rPr lang="ko-KR" altLang="en-US" dirty="0" smtClean="0"/>
-              <a:t>연</a:t>
-            </a:r>
-            <a:r>
-              <a:rPr lang="ko-KR" altLang="en-US" dirty="0"/>
-              <a:t>동</a:t>
-            </a:r>
-            <a:endParaRPr lang="ko-KR" altLang="en-US" dirty="0"/>
-          </a:p>
-        </p:txBody>
-      </p:sp>
       <p:pic>
         <p:nvPicPr>
-          <p:cNvPr id="3074" name="Picture 2" descr="C:\Users\user\Desktop\asss.png"/>
+          <p:cNvPr id="2051" name="Picture 3" descr="C:\Users\user\Desktop\2.1.JPG"/>
           <p:cNvPicPr>
             <a:picLocks noChangeAspect="1" noChangeArrowheads="1"/>
           </p:cNvPicPr>
           <p:nvPr/>
         </p:nvPicPr>
         <p:blipFill>
-          <a:blip r:embed="rId2">
+          <a:blip r:embed="rId3" cstate="screen">
             <a:extLst>
               <a:ext uri="{28A0092B-C50C-407E-A947-70E740481C1C}">
                 <a14:useLocalDpi xmlns:a14="http://schemas.microsoft.com/office/drawing/2010/main" val="0"/>
@@ -4644,8 +4468,8 @@
         </p:blipFill>
         <p:spPr bwMode="auto">
           <a:xfrm>
-            <a:off x="4030664" y="516997"/>
-            <a:ext cx="4876800" cy="4876800"/>
+            <a:off x="2672249" y="316186"/>
+            <a:ext cx="6066246" cy="4058350"/>
           </a:xfrm>
           <a:prstGeom prst="rect">
             <a:avLst/>
@@ -4922,7 +4746,7 @@
   <a:extraClrSchemeLst/>
   <a:extLst>
     <a:ext uri="{05A4C25C-085E-4340-85A3-A5531E510DB2}">
-      <thm15:themeFamily xmlns:thm15="http://schemas.microsoft.com/office/thememl/2012/main" xmlns="" name="Office Theme" id="{62F939B6-93AF-4DB8-9C6B-D6C7DFDC589F}" vid="{4A3C46E8-61CC-4603-A589-7422A47A8E4A}"/>
+      <thm15:themeFamily xmlns="" xmlns:thm15="http://schemas.microsoft.com/office/thememl/2012/main" name="Office Theme" id="{62F939B6-93AF-4DB8-9C6B-D6C7DFDC589F}" vid="{4A3C46E8-61CC-4603-A589-7422A47A8E4A}"/>
     </a:ext>
   </a:extLst>
 </a:theme>
